--- a/LFS_presentation.pptx
+++ b/LFS_presentation.pptx
@@ -30,6 +30,7 @@
     <p:sldId id="279" r:id="rId24"/>
     <p:sldId id="280" r:id="rId25"/>
     <p:sldId id="281" r:id="rId26"/>
+    <p:sldId id="283" r:id="rId27"/>
   </p:sldIdLst>
   <p:sldSz cx="9144000" cy="6858000" type="screen4x3"/>
   <p:notesSz cx="6858000" cy="9144000"/>
@@ -312,6 +313,7 @@
           <a:p>
             <a:fld id="{5A343E5C-C603-4E0E-B875-8482C2153F35}" type="datetimeFigureOut">
               <a:rPr lang="en-US" smtClean="0"/>
+              <a:pPr/>
               <a:t>7/31/2019</a:t>
             </a:fld>
             <a:endParaRPr lang="en-US"/>
@@ -354,6 +356,7 @@
           <a:p>
             <a:fld id="{A8B02418-022B-438E-A4F1-E2C225F15E43}" type="slidenum">
               <a:rPr lang="en-US" smtClean="0"/>
+              <a:pPr/>
               <a:t>‹#›</a:t>
             </a:fld>
             <a:endParaRPr lang="en-US"/>
@@ -477,6 +480,7 @@
           <a:p>
             <a:fld id="{5A343E5C-C603-4E0E-B875-8482C2153F35}" type="datetimeFigureOut">
               <a:rPr lang="en-US" smtClean="0"/>
+              <a:pPr/>
               <a:t>7/31/2019</a:t>
             </a:fld>
             <a:endParaRPr lang="en-US"/>
@@ -519,6 +523,7 @@
           <a:p>
             <a:fld id="{A8B02418-022B-438E-A4F1-E2C225F15E43}" type="slidenum">
               <a:rPr lang="en-US" smtClean="0"/>
+              <a:pPr/>
               <a:t>‹#›</a:t>
             </a:fld>
             <a:endParaRPr lang="en-US"/>
@@ -652,6 +657,7 @@
           <a:p>
             <a:fld id="{5A343E5C-C603-4E0E-B875-8482C2153F35}" type="datetimeFigureOut">
               <a:rPr lang="en-US" smtClean="0"/>
+              <a:pPr/>
               <a:t>7/31/2019</a:t>
             </a:fld>
             <a:endParaRPr lang="en-US"/>
@@ -694,6 +700,7 @@
           <a:p>
             <a:fld id="{A8B02418-022B-438E-A4F1-E2C225F15E43}" type="slidenum">
               <a:rPr lang="en-US" smtClean="0"/>
+              <a:pPr/>
               <a:t>‹#›</a:t>
             </a:fld>
             <a:endParaRPr lang="en-US"/>
@@ -817,6 +824,7 @@
           <a:p>
             <a:fld id="{5A343E5C-C603-4E0E-B875-8482C2153F35}" type="datetimeFigureOut">
               <a:rPr lang="en-US" smtClean="0"/>
+              <a:pPr/>
               <a:t>7/31/2019</a:t>
             </a:fld>
             <a:endParaRPr lang="en-US"/>
@@ -859,6 +867,7 @@
           <a:p>
             <a:fld id="{A8B02418-022B-438E-A4F1-E2C225F15E43}" type="slidenum">
               <a:rPr lang="en-US" smtClean="0"/>
+              <a:pPr/>
               <a:t>‹#›</a:t>
             </a:fld>
             <a:endParaRPr lang="en-US"/>
@@ -1058,6 +1067,7 @@
           <a:p>
             <a:fld id="{5A343E5C-C603-4E0E-B875-8482C2153F35}" type="datetimeFigureOut">
               <a:rPr lang="en-US" smtClean="0"/>
+              <a:pPr/>
               <a:t>7/31/2019</a:t>
             </a:fld>
             <a:endParaRPr lang="en-US"/>
@@ -1100,6 +1110,7 @@
           <a:p>
             <a:fld id="{A8B02418-022B-438E-A4F1-E2C225F15E43}" type="slidenum">
               <a:rPr lang="en-US" smtClean="0"/>
+              <a:pPr/>
               <a:t>‹#›</a:t>
             </a:fld>
             <a:endParaRPr lang="en-US"/>
@@ -1341,6 +1352,7 @@
           <a:p>
             <a:fld id="{5A343E5C-C603-4E0E-B875-8482C2153F35}" type="datetimeFigureOut">
               <a:rPr lang="en-US" smtClean="0"/>
+              <a:pPr/>
               <a:t>7/31/2019</a:t>
             </a:fld>
             <a:endParaRPr lang="en-US"/>
@@ -1383,6 +1395,7 @@
           <a:p>
             <a:fld id="{A8B02418-022B-438E-A4F1-E2C225F15E43}" type="slidenum">
               <a:rPr lang="en-US" smtClean="0"/>
+              <a:pPr/>
               <a:t>‹#›</a:t>
             </a:fld>
             <a:endParaRPr lang="en-US"/>
@@ -1758,6 +1771,7 @@
           <a:p>
             <a:fld id="{5A343E5C-C603-4E0E-B875-8482C2153F35}" type="datetimeFigureOut">
               <a:rPr lang="en-US" smtClean="0"/>
+              <a:pPr/>
               <a:t>7/31/2019</a:t>
             </a:fld>
             <a:endParaRPr lang="en-US"/>
@@ -1800,6 +1814,7 @@
           <a:p>
             <a:fld id="{A8B02418-022B-438E-A4F1-E2C225F15E43}" type="slidenum">
               <a:rPr lang="en-US" smtClean="0"/>
+              <a:pPr/>
               <a:t>‹#›</a:t>
             </a:fld>
             <a:endParaRPr lang="en-US"/>
@@ -1871,6 +1886,7 @@
           <a:p>
             <a:fld id="{5A343E5C-C603-4E0E-B875-8482C2153F35}" type="datetimeFigureOut">
               <a:rPr lang="en-US" smtClean="0"/>
+              <a:pPr/>
               <a:t>7/31/2019</a:t>
             </a:fld>
             <a:endParaRPr lang="en-US"/>
@@ -1913,6 +1929,7 @@
           <a:p>
             <a:fld id="{A8B02418-022B-438E-A4F1-E2C225F15E43}" type="slidenum">
               <a:rPr lang="en-US" smtClean="0"/>
+              <a:pPr/>
               <a:t>‹#›</a:t>
             </a:fld>
             <a:endParaRPr lang="en-US"/>
@@ -1961,6 +1978,7 @@
           <a:p>
             <a:fld id="{5A343E5C-C603-4E0E-B875-8482C2153F35}" type="datetimeFigureOut">
               <a:rPr lang="en-US" smtClean="0"/>
+              <a:pPr/>
               <a:t>7/31/2019</a:t>
             </a:fld>
             <a:endParaRPr lang="en-US"/>
@@ -2003,6 +2021,7 @@
           <a:p>
             <a:fld id="{A8B02418-022B-438E-A4F1-E2C225F15E43}" type="slidenum">
               <a:rPr lang="en-US" smtClean="0"/>
+              <a:pPr/>
               <a:t>‹#›</a:t>
             </a:fld>
             <a:endParaRPr lang="en-US"/>
@@ -2233,6 +2252,7 @@
           <a:p>
             <a:fld id="{5A343E5C-C603-4E0E-B875-8482C2153F35}" type="datetimeFigureOut">
               <a:rPr lang="en-US" smtClean="0"/>
+              <a:pPr/>
               <a:t>7/31/2019</a:t>
             </a:fld>
             <a:endParaRPr lang="en-US"/>
@@ -2275,6 +2295,7 @@
           <a:p>
             <a:fld id="{A8B02418-022B-438E-A4F1-E2C225F15E43}" type="slidenum">
               <a:rPr lang="en-US" smtClean="0"/>
+              <a:pPr/>
               <a:t>‹#›</a:t>
             </a:fld>
             <a:endParaRPr lang="en-US"/>
@@ -2481,6 +2502,7 @@
           <a:p>
             <a:fld id="{5A343E5C-C603-4E0E-B875-8482C2153F35}" type="datetimeFigureOut">
               <a:rPr lang="en-US" smtClean="0"/>
+              <a:pPr/>
               <a:t>7/31/2019</a:t>
             </a:fld>
             <a:endParaRPr lang="en-US"/>
@@ -2523,6 +2545,7 @@
           <a:p>
             <a:fld id="{A8B02418-022B-438E-A4F1-E2C225F15E43}" type="slidenum">
               <a:rPr lang="en-US" smtClean="0"/>
+              <a:pPr/>
               <a:t>‹#›</a:t>
             </a:fld>
             <a:endParaRPr lang="en-US"/>
@@ -2689,6 +2712,7 @@
           <a:p>
             <a:fld id="{5A343E5C-C603-4E0E-B875-8482C2153F35}" type="datetimeFigureOut">
               <a:rPr lang="en-US" smtClean="0"/>
+              <a:pPr/>
               <a:t>7/31/2019</a:t>
             </a:fld>
             <a:endParaRPr lang="en-US"/>
@@ -2767,6 +2791,7 @@
           <a:p>
             <a:fld id="{A8B02418-022B-438E-A4F1-E2C225F15E43}" type="slidenum">
               <a:rPr lang="en-US" smtClean="0"/>
+              <a:pPr/>
               <a:t>‹#›</a:t>
             </a:fld>
             <a:endParaRPr lang="en-US"/>
@@ -4251,6 +4276,62 @@
       </p:par>
     </p:tnLst>
   </p:timing>
+</p:sld>
+</file>
+
+<file path=ppt/slides/slide26.xml><?xml version="1.0" encoding="utf-8"?>
+<p:sld xmlns:a="http://schemas.openxmlformats.org/drawingml/2006/main" xmlns:r="http://schemas.openxmlformats.org/officeDocument/2006/relationships" xmlns:p="http://schemas.openxmlformats.org/presentationml/2006/main">
+  <p:cSld>
+    <p:spTree>
+      <p:nvGrpSpPr>
+        <p:cNvPr id="1" name=""/>
+        <p:cNvGrpSpPr/>
+        <p:nvPr/>
+      </p:nvGrpSpPr>
+      <p:grpSpPr>
+        <a:xfrm>
+          <a:off x="0" y="0"/>
+          <a:ext cx="0" cy="0"/>
+          <a:chOff x="0" y="0"/>
+          <a:chExt cx="0" cy="0"/>
+        </a:xfrm>
+      </p:grpSpPr>
+      <p:sp>
+        <p:nvSpPr>
+          <p:cNvPr id="2" name="Rectangle 1"/>
+          <p:cNvSpPr/>
+          <p:nvPr/>
+        </p:nvSpPr>
+        <p:spPr>
+          <a:xfrm>
+            <a:off x="2704630" y="3244334"/>
+            <a:ext cx="3734740" cy="369332"/>
+          </a:xfrm>
+          <a:prstGeom prst="rect">
+            <a:avLst/>
+          </a:prstGeom>
+        </p:spPr>
+        <p:txBody>
+          <a:bodyPr wrap="none">
+            <a:spAutoFit/>
+          </a:bodyPr>
+          <a:lstStyle/>
+          <a:p>
+            <a:r>
+              <a:rPr lang="en-US" dirty="0" smtClean="0">
+                <a:hlinkClick r:id="rId2"/>
+              </a:rPr>
+              <a:t>https://github.com/dilipsastry12/dilip</a:t>
+            </a:r>
+            <a:endParaRPr lang="en-US" dirty="0"/>
+          </a:p>
+        </p:txBody>
+      </p:sp>
+    </p:spTree>
+  </p:cSld>
+  <p:clrMapOvr>
+    <a:masterClrMapping/>
+  </p:clrMapOvr>
 </p:sld>
 </file>
 

--- a/LFS_presentation.pptx
+++ b/LFS_presentation.pptx
@@ -3101,7 +3101,15 @@
           <a:p>
             <a:r>
               <a:rPr lang="en-US" dirty="0" smtClean="0"/>
-              <a:t>LFS-LARGE FILE STORAGE</a:t>
+              <a:t>LFS-LARGE </a:t>
+            </a:r>
+            <a:r>
+              <a:rPr lang="en-US" smtClean="0"/>
+              <a:t>FILE </a:t>
+            </a:r>
+            <a:r>
+              <a:rPr lang="en-US" smtClean="0"/>
+              <a:t>STORAGE1</a:t>
             </a:r>
             <a:endParaRPr lang="en-US" dirty="0"/>
           </a:p>

--- a/LFS_presentation.pptx
+++ b/LFS_presentation.pptx
@@ -3109,7 +3109,7 @@
             </a:r>
             <a:r>
               <a:rPr lang="en-US" smtClean="0"/>
-              <a:t>STORAGE1</a:t>
+              <a:t>STORAGE2</a:t>
             </a:r>
             <a:endParaRPr lang="en-US" dirty="0"/>
           </a:p>

--- a/LFS_presentation.pptx
+++ b/LFS_presentation.pptx
@@ -31,6 +31,7 @@
     <p:sldId id="280" r:id="rId25"/>
     <p:sldId id="281" r:id="rId26"/>
     <p:sldId id="283" r:id="rId27"/>
+    <p:sldId id="284" r:id="rId28"/>
   </p:sldIdLst>
   <p:sldSz cx="9144000" cy="6858000" type="screen4x3"/>
   <p:notesSz cx="6858000" cy="9144000"/>
@@ -3105,11 +3106,7 @@
             </a:r>
             <a:r>
               <a:rPr lang="en-US" smtClean="0"/>
-              <a:t>FILE </a:t>
-            </a:r>
-            <a:r>
-              <a:rPr lang="en-US" smtClean="0"/>
-              <a:t>STORAGE2</a:t>
+              <a:t>FILE STORAGE2</a:t>
             </a:r>
             <a:endParaRPr lang="en-US" dirty="0"/>
           </a:p>
@@ -4288,6 +4285,62 @@
 </file>
 
 <file path=ppt/slides/slide26.xml><?xml version="1.0" encoding="utf-8"?>
+<p:sld xmlns:a="http://schemas.openxmlformats.org/drawingml/2006/main" xmlns:r="http://schemas.openxmlformats.org/officeDocument/2006/relationships" xmlns:p="http://schemas.openxmlformats.org/presentationml/2006/main">
+  <p:cSld>
+    <p:spTree>
+      <p:nvGrpSpPr>
+        <p:cNvPr id="1" name=""/>
+        <p:cNvGrpSpPr/>
+        <p:nvPr/>
+      </p:nvGrpSpPr>
+      <p:grpSpPr>
+        <a:xfrm>
+          <a:off x="0" y="0"/>
+          <a:ext cx="0" cy="0"/>
+          <a:chOff x="0" y="0"/>
+          <a:chExt cx="0" cy="0"/>
+        </a:xfrm>
+      </p:grpSpPr>
+      <p:sp>
+        <p:nvSpPr>
+          <p:cNvPr id="2" name="Rectangle 1"/>
+          <p:cNvSpPr/>
+          <p:nvPr/>
+        </p:nvSpPr>
+        <p:spPr>
+          <a:xfrm>
+            <a:off x="2704630" y="3244334"/>
+            <a:ext cx="3734740" cy="369332"/>
+          </a:xfrm>
+          <a:prstGeom prst="rect">
+            <a:avLst/>
+          </a:prstGeom>
+        </p:spPr>
+        <p:txBody>
+          <a:bodyPr wrap="none">
+            <a:spAutoFit/>
+          </a:bodyPr>
+          <a:lstStyle/>
+          <a:p>
+            <a:r>
+              <a:rPr lang="en-US" dirty="0" smtClean="0">
+                <a:hlinkClick r:id="rId2"/>
+              </a:rPr>
+              <a:t>https://github.com/dilipsastry12/dilip</a:t>
+            </a:r>
+            <a:endParaRPr lang="en-US" dirty="0"/>
+          </a:p>
+        </p:txBody>
+      </p:sp>
+    </p:spTree>
+  </p:cSld>
+  <p:clrMapOvr>
+    <a:masterClrMapping/>
+  </p:clrMapOvr>
+</p:sld>
+</file>
+
+<file path=ppt/slides/slide27.xml><?xml version="1.0" encoding="utf-8"?>
 <p:sld xmlns:a="http://schemas.openxmlformats.org/drawingml/2006/main" xmlns:r="http://schemas.openxmlformats.org/officeDocument/2006/relationships" xmlns:p="http://schemas.openxmlformats.org/presentationml/2006/main">
   <p:cSld>
     <p:spTree>

--- a/LFS_presentation.pptx
+++ b/LFS_presentation.pptx
@@ -3106,7 +3106,11 @@
             </a:r>
             <a:r>
               <a:rPr lang="en-US" smtClean="0"/>
-              <a:t>FILE STORAGE2</a:t>
+              <a:t>FILE </a:t>
+            </a:r>
+            <a:r>
+              <a:rPr lang="en-US" smtClean="0"/>
+              <a:t>STORAGE-branch1</a:t>
             </a:r>
             <a:endParaRPr lang="en-US" dirty="0"/>
           </a:p>
